--- a/Lab-9 (Clustering)/Clustering.pptx
+++ b/Lab-9 (Clustering)/Clustering.pptx
@@ -252,7 +252,7 @@
           <a:p>
             <a:fld id="{54EDF7F2-17C1-48C5-85B4-920AB9BF0E08}" type="datetimeFigureOut">
               <a:rPr lang="en-US" smtClean="0"/>
-              <a:t>11/12/2024</a:t>
+              <a:t>11/14/2024</a:t>
             </a:fld>
             <a:endParaRPr lang="en-US"/>
           </a:p>
@@ -422,7 +422,7 @@
           <a:p>
             <a:fld id="{54EDF7F2-17C1-48C5-85B4-920AB9BF0E08}" type="datetimeFigureOut">
               <a:rPr lang="en-US" smtClean="0"/>
-              <a:t>11/12/2024</a:t>
+              <a:t>11/14/2024</a:t>
             </a:fld>
             <a:endParaRPr lang="en-US"/>
           </a:p>
@@ -602,7 +602,7 @@
           <a:p>
             <a:fld id="{54EDF7F2-17C1-48C5-85B4-920AB9BF0E08}" type="datetimeFigureOut">
               <a:rPr lang="en-US" smtClean="0"/>
-              <a:t>11/12/2024</a:t>
+              <a:t>11/14/2024</a:t>
             </a:fld>
             <a:endParaRPr lang="en-US"/>
           </a:p>
@@ -772,7 +772,7 @@
           <a:p>
             <a:fld id="{54EDF7F2-17C1-48C5-85B4-920AB9BF0E08}" type="datetimeFigureOut">
               <a:rPr lang="en-US" smtClean="0"/>
-              <a:t>11/12/2024</a:t>
+              <a:t>11/14/2024</a:t>
             </a:fld>
             <a:endParaRPr lang="en-US"/>
           </a:p>
@@ -1018,7 +1018,7 @@
           <a:p>
             <a:fld id="{54EDF7F2-17C1-48C5-85B4-920AB9BF0E08}" type="datetimeFigureOut">
               <a:rPr lang="en-US" smtClean="0"/>
-              <a:t>11/12/2024</a:t>
+              <a:t>11/14/2024</a:t>
             </a:fld>
             <a:endParaRPr lang="en-US"/>
           </a:p>
@@ -1250,7 +1250,7 @@
           <a:p>
             <a:fld id="{54EDF7F2-17C1-48C5-85B4-920AB9BF0E08}" type="datetimeFigureOut">
               <a:rPr lang="en-US" smtClean="0"/>
-              <a:t>11/12/2024</a:t>
+              <a:t>11/14/2024</a:t>
             </a:fld>
             <a:endParaRPr lang="en-US"/>
           </a:p>
@@ -1617,7 +1617,7 @@
           <a:p>
             <a:fld id="{54EDF7F2-17C1-48C5-85B4-920AB9BF0E08}" type="datetimeFigureOut">
               <a:rPr lang="en-US" smtClean="0"/>
-              <a:t>11/12/2024</a:t>
+              <a:t>11/14/2024</a:t>
             </a:fld>
             <a:endParaRPr lang="en-US"/>
           </a:p>
@@ -1735,7 +1735,7 @@
           <a:p>
             <a:fld id="{54EDF7F2-17C1-48C5-85B4-920AB9BF0E08}" type="datetimeFigureOut">
               <a:rPr lang="en-US" smtClean="0"/>
-              <a:t>11/12/2024</a:t>
+              <a:t>11/14/2024</a:t>
             </a:fld>
             <a:endParaRPr lang="en-US"/>
           </a:p>
@@ -1830,7 +1830,7 @@
           <a:p>
             <a:fld id="{54EDF7F2-17C1-48C5-85B4-920AB9BF0E08}" type="datetimeFigureOut">
               <a:rPr lang="en-US" smtClean="0"/>
-              <a:t>11/12/2024</a:t>
+              <a:t>11/14/2024</a:t>
             </a:fld>
             <a:endParaRPr lang="en-US"/>
           </a:p>
@@ -2107,7 +2107,7 @@
           <a:p>
             <a:fld id="{54EDF7F2-17C1-48C5-85B4-920AB9BF0E08}" type="datetimeFigureOut">
               <a:rPr lang="en-US" smtClean="0"/>
-              <a:t>11/12/2024</a:t>
+              <a:t>11/14/2024</a:t>
             </a:fld>
             <a:endParaRPr lang="en-US"/>
           </a:p>
@@ -2360,7 +2360,7 @@
           <a:p>
             <a:fld id="{54EDF7F2-17C1-48C5-85B4-920AB9BF0E08}" type="datetimeFigureOut">
               <a:rPr lang="en-US" smtClean="0"/>
-              <a:t>11/12/2024</a:t>
+              <a:t>11/14/2024</a:t>
             </a:fld>
             <a:endParaRPr lang="en-US"/>
           </a:p>
@@ -2573,7 +2573,7 @@
           <a:p>
             <a:fld id="{54EDF7F2-17C1-48C5-85B4-920AB9BF0E08}" type="datetimeFigureOut">
               <a:rPr lang="en-US" smtClean="0"/>
-              <a:t>11/12/2024</a:t>
+              <a:t>11/14/2024</a:t>
             </a:fld>
             <a:endParaRPr lang="en-US"/>
           </a:p>
@@ -3981,15 +3981,7 @@
             </a:pPr>
             <a:r>
               <a:rPr lang="en-US" sz="1700" dirty="0" smtClean="0"/>
-              <a:t>C1 = { </a:t>
-            </a:r>
-            <a:r>
-              <a:rPr lang="en-US" sz="1700" dirty="0" smtClean="0"/>
-              <a:t>2,3</a:t>
-            </a:r>
-            <a:r>
-              <a:rPr lang="en-US" sz="1700" dirty="0" smtClean="0"/>
-              <a:t>}</a:t>
+              <a:t>C1 = { 2,3}</a:t>
             </a:r>
           </a:p>
           <a:p>
@@ -3998,15 +3990,7 @@
             </a:pPr>
             <a:r>
               <a:rPr lang="en-US" sz="1700" dirty="0" smtClean="0"/>
-              <a:t>C2 = </a:t>
-            </a:r>
-            <a:r>
-              <a:rPr lang="en-US" sz="1700" dirty="0" smtClean="0"/>
-              <a:t>{4,10,12,20,30,11,25</a:t>
-            </a:r>
-            <a:r>
-              <a:rPr lang="en-US" sz="1700" dirty="0" smtClean="0"/>
-              <a:t>}</a:t>
+              <a:t>C2 = {4,10,12,20,30,11,25}</a:t>
             </a:r>
           </a:p>
           <a:p>
@@ -4034,21 +4018,8 @@
             </a:r>
             <a:r>
               <a:rPr lang="en-US" sz="1600" dirty="0" smtClean="0"/>
-              <a:t>1 = Avg (</a:t>
-            </a:r>
-            <a:r>
-              <a:rPr lang="en-US" sz="1600" dirty="0" smtClean="0"/>
-              <a:t>2,3</a:t>
-            </a:r>
-            <a:r>
-              <a:rPr lang="en-US" sz="1600" dirty="0" smtClean="0"/>
-              <a:t>) = </a:t>
-            </a:r>
-            <a:r>
-              <a:rPr lang="en-US" sz="1600" dirty="0" smtClean="0"/>
-              <a:t>2.5</a:t>
-            </a:r>
-            <a:endParaRPr lang="en-US" sz="1600" dirty="0" smtClean="0"/>
+              <a:t>1 = Avg (2,3) = 2.5</a:t>
+            </a:r>
           </a:p>
           <a:p>
             <a:pPr marL="0" indent="0">
@@ -4060,21 +4031,8 @@
             </a:r>
             <a:r>
               <a:rPr lang="en-US" sz="1600" dirty="0" smtClean="0"/>
-              <a:t>2 = Avg </a:t>
-            </a:r>
-            <a:r>
-              <a:rPr lang="en-US" sz="1600" dirty="0" smtClean="0"/>
-              <a:t>(4,10,12,20,30,11,25</a:t>
-            </a:r>
-            <a:r>
-              <a:rPr lang="en-US" sz="1600" dirty="0" smtClean="0"/>
-              <a:t>) = </a:t>
-            </a:r>
-            <a:r>
-              <a:rPr lang="en-US" sz="1600" dirty="0" smtClean="0"/>
-              <a:t>16</a:t>
-            </a:r>
-            <a:endParaRPr lang="en-US" sz="1600" dirty="0" smtClean="0"/>
+              <a:t>2 = Avg (4,10,12,20,30,11,25) = 16</a:t>
+            </a:r>
           </a:p>
           <a:p>
             <a:pPr marL="0" indent="0">
@@ -4112,15 +4070,7 @@
             </a:pPr>
             <a:r>
               <a:rPr lang="en-US" sz="1600" dirty="0" smtClean="0"/>
-              <a:t>C1 = { </a:t>
-            </a:r>
-            <a:r>
-              <a:rPr lang="en-US" sz="1600" dirty="0" smtClean="0"/>
-              <a:t>2,4,3 </a:t>
-            </a:r>
-            <a:r>
-              <a:rPr lang="en-US" sz="1600" dirty="0" smtClean="0"/>
-              <a:t>}</a:t>
+              <a:t>C1 = { 2,4,3 }</a:t>
             </a:r>
           </a:p>
           <a:p>
@@ -4129,15 +4079,7 @@
             </a:pPr>
             <a:r>
               <a:rPr lang="en-US" sz="1600" dirty="0" smtClean="0"/>
-              <a:t>C2 = </a:t>
-            </a:r>
-            <a:r>
-              <a:rPr lang="en-US" sz="1600" dirty="0" smtClean="0"/>
-              <a:t>{10,12,20,30,11,25</a:t>
-            </a:r>
-            <a:r>
-              <a:rPr lang="en-US" sz="1600" dirty="0" smtClean="0"/>
-              <a:t>}</a:t>
+              <a:t>C2 = {10,12,20,30,11,25}</a:t>
             </a:r>
           </a:p>
           <a:p>
@@ -5790,15 +5732,7 @@
             </a:pPr>
             <a:r>
               <a:rPr lang="en-US" sz="1800" dirty="0" smtClean="0"/>
-              <a:t>m1 = Avg (</a:t>
-            </a:r>
-            <a:r>
-              <a:rPr lang="en-US" sz="1800" dirty="0" smtClean="0"/>
-              <a:t>2,4,3</a:t>
-            </a:r>
-            <a:r>
-              <a:rPr lang="en-US" sz="1800" dirty="0" smtClean="0"/>
-              <a:t>) = </a:t>
+              <a:t>m1 = Avg (2,4,3) = </a:t>
             </a:r>
             <a:r>
               <a:rPr lang="en-US" sz="1800" dirty="0"/>
@@ -5812,13 +5746,8 @@
             </a:pPr>
             <a:r>
               <a:rPr lang="en-US" sz="1800" dirty="0" smtClean="0"/>
-              <a:t>m2 = Avg (12,20,30,11,25) = </a:t>
-            </a:r>
-            <a:r>
-              <a:rPr lang="en-US" sz="1800" dirty="0" smtClean="0"/>
-              <a:t>18</a:t>
-            </a:r>
-            <a:endParaRPr lang="en-US" sz="1800" dirty="0" smtClean="0"/>
+              <a:t>m2 = Avg (12,20,30,11,25) = 18</a:t>
+            </a:r>
           </a:p>
           <a:p>
             <a:pPr marL="0" indent="0">
@@ -5855,13 +5784,8 @@
             </a:pPr>
             <a:r>
               <a:rPr lang="en-US" sz="1800" dirty="0" smtClean="0"/>
-              <a:t>C1 = { </a:t>
-            </a:r>
-            <a:r>
-              <a:rPr lang="en-US" sz="1800" dirty="0" smtClean="0"/>
-              <a:t>2,4,10,3}</a:t>
-            </a:r>
-            <a:endParaRPr lang="en-US" sz="1800" dirty="0" smtClean="0"/>
+              <a:t>C1 = { 2,4,10,3}</a:t>
+            </a:r>
           </a:p>
           <a:p>
             <a:pPr marL="0" indent="0">
@@ -5870,15 +5794,7 @@
             </a:pPr>
             <a:r>
               <a:rPr lang="en-US" sz="1800" dirty="0" smtClean="0"/>
-              <a:t>C2 = </a:t>
-            </a:r>
-            <a:r>
-              <a:rPr lang="en-US" sz="1800" dirty="0" smtClean="0"/>
-              <a:t>{12,20,30,11,25</a:t>
-            </a:r>
-            <a:r>
-              <a:rPr lang="en-US" sz="1800" dirty="0" smtClean="0"/>
-              <a:t>}</a:t>
+              <a:t>C2 = {12,20,30,11,25}</a:t>
             </a:r>
           </a:p>
           <a:p>
@@ -5905,21 +5821,8 @@
             </a:pPr>
             <a:r>
               <a:rPr lang="en-US" sz="1600" dirty="0" smtClean="0"/>
-              <a:t>m1 = Avg (</a:t>
-            </a:r>
-            <a:r>
-              <a:rPr lang="en-US" sz="1600" dirty="0" smtClean="0"/>
-              <a:t>2,4,10,3) </a:t>
-            </a:r>
-            <a:r>
-              <a:rPr lang="en-US" sz="1600" dirty="0" smtClean="0"/>
-              <a:t>= </a:t>
-            </a:r>
-            <a:r>
-              <a:rPr lang="en-US" sz="1600" dirty="0" smtClean="0"/>
-              <a:t>4.75</a:t>
-            </a:r>
-            <a:endParaRPr lang="en-US" sz="1600" dirty="0" smtClean="0"/>
+              <a:t>m1 = Avg (2,4,10,3) = 4.75</a:t>
+            </a:r>
           </a:p>
           <a:p>
             <a:pPr marL="0" indent="0">
@@ -5928,21 +5831,8 @@
             </a:pPr>
             <a:r>
               <a:rPr lang="en-US" sz="1600" dirty="0" smtClean="0"/>
-              <a:t>m2 = </a:t>
-            </a:r>
-            <a:r>
-              <a:rPr lang="en-US" sz="1600" dirty="0" smtClean="0"/>
-              <a:t>Avg(12,20,30,11,25</a:t>
-            </a:r>
-            <a:r>
-              <a:rPr lang="en-US" sz="1600" dirty="0" smtClean="0"/>
-              <a:t>) = </a:t>
-            </a:r>
-            <a:r>
-              <a:rPr lang="en-US" sz="1600" dirty="0" smtClean="0"/>
-              <a:t>19.6</a:t>
-            </a:r>
-            <a:endParaRPr lang="en-US" sz="1600" dirty="0" smtClean="0"/>
+              <a:t>m2 = Avg(12,20,30,11,25) = 19.6</a:t>
+            </a:r>
           </a:p>
           <a:p>
             <a:pPr marL="0" indent="0">
